--- a/Prezentacija Autic na daljinsko upravljanje.pptx
+++ b/Prezentacija Autic na daljinsko upravljanje.pptx
@@ -5419,13 +5419,11 @@
       </p:sp>
       <p:pic>
         <p:nvPicPr>
-          <p:cNvPr id="10" name="Content Placeholder 9" descr="plocica pcb"/>
+          <p:cNvPr id="11" name="Picture 10" descr="lemnjenje"/>
           <p:cNvPicPr>
             <a:picLocks noChangeAspect="1"/>
           </p:cNvPicPr>
-          <p:nvPr>
-            <p:ph sz="half" idx="1"/>
-          </p:nvPr>
+          <p:nvPr/>
         </p:nvPicPr>
         <p:blipFill>
           <a:blip r:embed="rId2"/>
@@ -5435,8 +5433,8 @@
         </p:blipFill>
         <p:spPr>
           <a:xfrm>
-            <a:off x="7553325" y="1691005"/>
-            <a:ext cx="3800475" cy="2179955"/>
+            <a:off x="3662045" y="4147820"/>
+            <a:ext cx="3766820" cy="2248535"/>
           </a:xfrm>
           <a:prstGeom prst="rect">
             <a:avLst/>
@@ -5445,11 +5443,13 @@
       </p:pic>
       <p:pic>
         <p:nvPicPr>
-          <p:cNvPr id="11" name="Picture 10" descr="lemnjenje"/>
+          <p:cNvPr id="5" name="Content Placeholder 4"/>
           <p:cNvPicPr>
             <a:picLocks noChangeAspect="1"/>
           </p:cNvPicPr>
-          <p:nvPr/>
+          <p:nvPr>
+            <p:ph sz="half" idx="1"/>
+          </p:nvPr>
         </p:nvPicPr>
         <p:blipFill>
           <a:blip r:embed="rId3"/>
@@ -5459,8 +5459,8 @@
         </p:blipFill>
         <p:spPr>
           <a:xfrm>
-            <a:off x="3662045" y="4147820"/>
-            <a:ext cx="3766820" cy="2248535"/>
+            <a:off x="8618220" y="1691005"/>
+            <a:ext cx="2735580" cy="3644900"/>
           </a:xfrm>
           <a:prstGeom prst="rect">
             <a:avLst/>
